--- a/MicrobesFood/2nd draft of poster.pptx
+++ b/MicrobesFood/2nd draft of poster.pptx
@@ -169,11 +169,7 @@
             </a:r>
             <a:r>
               <a:rPr lang="en-US" baseline="0" dirty="0" smtClean="0"/>
-              <a:t> </a:t>
-            </a:r>
-            <a:r>
-              <a:rPr lang="en-US" baseline="0" dirty="0" smtClean="0"/>
-              <a:t>between Juice and Surface Colonies</a:t>
+              <a:t> between Juice and Surface Colonies</a:t>
             </a:r>
             <a:endParaRPr lang="en-US" dirty="0"/>
           </a:p>
@@ -292,11 +288,11 @@
           <c:showPercent val="0"/>
           <c:showBubbleSize val="0"/>
         </c:dLbls>
-        <c:axId val="2044921784"/>
-        <c:axId val="2093522232"/>
+        <c:axId val="2108191176"/>
+        <c:axId val="2108196168"/>
       </c:scatterChart>
       <c:valAx>
-        <c:axId val="2044921784"/>
+        <c:axId val="2108191176"/>
         <c:scaling>
           <c:orientation val="minMax"/>
         </c:scaling>
@@ -329,12 +325,12 @@
         <c:majorTickMark val="out"/>
         <c:minorTickMark val="none"/>
         <c:tickLblPos val="nextTo"/>
-        <c:crossAx val="2093522232"/>
+        <c:crossAx val="2108196168"/>
         <c:crosses val="autoZero"/>
         <c:crossBetween val="midCat"/>
       </c:valAx>
       <c:valAx>
-        <c:axId val="2093522232"/>
+        <c:axId val="2108196168"/>
         <c:scaling>
           <c:orientation val="minMax"/>
         </c:scaling>
@@ -364,7 +360,7 @@
         <c:majorTickMark val="out"/>
         <c:minorTickMark val="none"/>
         <c:tickLblPos val="nextTo"/>
-        <c:crossAx val="2044921784"/>
+        <c:crossAx val="2108191176"/>
         <c:crosses val="autoZero"/>
         <c:crossBetween val="midCat"/>
       </c:valAx>
@@ -477,7 +473,7 @@
             <a:fld id="{74FCAA34-1150-4B5D-836C-745C99385CD4}" type="datetimeFigureOut">
               <a:rPr lang="en-US" smtClean="0"/>
               <a:pPr/>
-              <a:t>4/2/14</a:t>
+              <a:t>4/4/14</a:t>
             </a:fld>
             <a:endParaRPr lang="en-US" dirty="0"/>
           </a:p>
@@ -6090,8 +6086,8 @@
         </p:nvSpPr>
         <p:spPr>
           <a:xfrm>
-            <a:off x="16840200" y="6553200"/>
-            <a:ext cx="2368257" cy="461665"/>
+            <a:off x="14401800" y="6248400"/>
+            <a:ext cx="9509785" cy="830997"/>
           </a:xfrm>
           <a:prstGeom prst="rect">
             <a:avLst/>
@@ -6105,20 +6101,26 @@
           <a:lstStyle/>
           <a:p>
             <a:r>
+              <a:rPr lang="en-US" dirty="0" smtClean="0"/>
+              <a:t>The samples included oranges and lemons from </a:t>
+            </a:r>
+            <a:r>
               <a:rPr lang="en-US" dirty="0" err="1" smtClean="0"/>
-              <a:t>Ssmple</a:t>
+              <a:t>Wal</a:t>
             </a:r>
             <a:r>
               <a:rPr lang="en-US" dirty="0" smtClean="0"/>
-              <a:t>, </a:t>
-            </a:r>
-            <a:r>
-              <a:rPr lang="en-US" dirty="0" err="1" smtClean="0"/>
-              <a:t>Walmart</a:t>
+              <a:t> Mart and Spelman</a:t>
             </a:r>
             <a:r>
               <a:rPr lang="en-US" dirty="0" smtClean="0"/>
-              <a:t>, </a:t>
+              <a:t>,</a:t>
+            </a:r>
+          </a:p>
+          <a:p>
+            <a:r>
+              <a:rPr lang="en-US" dirty="0" smtClean="0"/>
+              <a:t> Minute Maid Orange Juice, and Orange Juice from Spelman’s Dining Hall.  </a:t>
             </a:r>
             <a:endParaRPr lang="en-US" dirty="0"/>
           </a:p>
@@ -6403,25 +6405,25 @@
           <p:nvPr>
             <p:extLst>
               <p:ext uri="{D42A27DB-BD31-4B8C-83A1-F6EECF244321}">
-                <p14:modId xmlns:p14="http://schemas.microsoft.com/office/powerpoint/2010/main" val="2744631691"/>
+                <p14:modId xmlns:p14="http://schemas.microsoft.com/office/powerpoint/2010/main" val="2009783235"/>
               </p:ext>
             </p:extLst>
           </p:nvPr>
         </p:nvGraphicFramePr>
         <p:xfrm>
-          <a:off x="10591800" y="23545800"/>
-          <a:ext cx="6400801" cy="6324600"/>
+          <a:off x="10287000" y="29260800"/>
+          <a:ext cx="6553200" cy="6400804"/>
         </p:xfrm>
         <a:graphic>
           <a:graphicData uri="http://schemas.openxmlformats.org/drawingml/2006/table">
             <a:tbl>
               <a:tblPr/>
               <a:tblGrid>
-                <a:gridCol w="1755494"/>
-                <a:gridCol w="2295646"/>
-                <a:gridCol w="2349661"/>
+                <a:gridCol w="1797291"/>
+                <a:gridCol w="2350304"/>
+                <a:gridCol w="2405605"/>
               </a:tblGrid>
-              <a:tr h="2057400">
+              <a:tr h="2082188">
                 <a:tc>
                   <a:txBody>
                     <a:bodyPr/>
@@ -6594,7 +6596,7 @@
                   </a:tcPr>
                 </a:tc>
               </a:tr>
-              <a:tr h="533400">
+              <a:tr h="539827">
                 <a:tc>
                   <a:txBody>
                     <a:bodyPr/>
@@ -6767,7 +6769,7 @@
                   </a:tcPr>
                 </a:tc>
               </a:tr>
-              <a:tr h="533400">
+              <a:tr h="539827">
                 <a:tc>
                   <a:txBody>
                     <a:bodyPr/>
@@ -6832,7 +6834,7 @@
                     <a:p>
                       <a:pPr algn="ctr" fontAlgn="ctr"/>
                       <a:r>
-                        <a:rPr lang="en-US" sz="2400" b="0" i="0" u="none" strike="noStrike">
+                        <a:rPr lang="en-US" sz="2400" b="0" i="0" u="none" strike="noStrike" dirty="0">
                           <a:solidFill>
                             <a:srgbClr val="000000"/>
                           </a:solidFill>
@@ -6940,7 +6942,7 @@
                   </a:tcPr>
                 </a:tc>
               </a:tr>
-              <a:tr h="533400">
+              <a:tr h="539827">
                 <a:tc>
                   <a:txBody>
                     <a:bodyPr/>
@@ -7113,7 +7115,7 @@
                   </a:tcPr>
                 </a:tc>
               </a:tr>
-              <a:tr h="533400">
+              <a:tr h="539827">
                 <a:tc>
                   <a:txBody>
                     <a:bodyPr/>
@@ -7286,7 +7288,7 @@
                   </a:tcPr>
                 </a:tc>
               </a:tr>
-              <a:tr h="533400">
+              <a:tr h="539827">
                 <a:tc>
                   <a:txBody>
                     <a:bodyPr/>
@@ -7459,7 +7461,7 @@
                   </a:tcPr>
                 </a:tc>
               </a:tr>
-              <a:tr h="533400">
+              <a:tr h="539827">
                 <a:tc>
                   <a:txBody>
                     <a:bodyPr/>
@@ -7632,7 +7634,7 @@
                   </a:tcPr>
                 </a:tc>
               </a:tr>
-              <a:tr h="533400">
+              <a:tr h="539827">
                 <a:tc>
                   <a:txBody>
                     <a:bodyPr/>
@@ -7805,7 +7807,7 @@
                   </a:tcPr>
                 </a:tc>
               </a:tr>
-              <a:tr h="533400">
+              <a:tr h="539827">
                 <a:tc>
                   <a:txBody>
                     <a:bodyPr/>
@@ -7991,13 +7993,13 @@
           <p:nvPr>
             <p:extLst>
               <p:ext uri="{D42A27DB-BD31-4B8C-83A1-F6EECF244321}">
-                <p14:modId xmlns:p14="http://schemas.microsoft.com/office/powerpoint/2010/main" val="1462270307"/>
+                <p14:modId xmlns:p14="http://schemas.microsoft.com/office/powerpoint/2010/main" val="3508098305"/>
               </p:ext>
             </p:extLst>
           </p:nvPr>
         </p:nvGraphicFramePr>
         <p:xfrm>
-          <a:off x="19354800" y="23545800"/>
+          <a:off x="19354800" y="29489400"/>
           <a:ext cx="8839200" cy="6172200"/>
         </p:xfrm>
         <a:graphic>
@@ -8006,6 +8008,336 @@
           </a:graphicData>
         </a:graphic>
       </p:graphicFrame>
+      <p:pic>
+        <p:nvPicPr>
+          <p:cNvPr id="2" name="Picture 1" descr="juice.jpg"/>
+          <p:cNvPicPr>
+            <a:picLocks noChangeAspect="1"/>
+          </p:cNvPicPr>
+          <p:nvPr/>
+        </p:nvPicPr>
+        <p:blipFill>
+          <a:blip r:embed="rId14" cstate="print">
+            <a:extLst>
+              <a:ext uri="{28A0092B-C50C-407E-A947-70E740481C1C}">
+                <a14:useLocalDpi xmlns:a14="http://schemas.microsoft.com/office/drawing/2010/main" val="0"/>
+              </a:ext>
+            </a:extLst>
+          </a:blip>
+          <a:stretch>
+            <a:fillRect/>
+          </a:stretch>
+        </p:blipFill>
+        <p:spPr>
+          <a:xfrm>
+            <a:off x="17712065" y="7619999"/>
+            <a:ext cx="3090535" cy="4248081"/>
+          </a:xfrm>
+          <a:prstGeom prst="rect">
+            <a:avLst/>
+          </a:prstGeom>
+        </p:spPr>
+      </p:pic>
+      <p:sp>
+        <p:nvSpPr>
+          <p:cNvPr id="3" name="TextBox 2"/>
+          <p:cNvSpPr txBox="1"/>
+          <p:nvPr/>
+        </p:nvSpPr>
+        <p:spPr>
+          <a:xfrm>
+            <a:off x="10210800" y="12496800"/>
+            <a:ext cx="787395" cy="461665"/>
+          </a:xfrm>
+          <a:prstGeom prst="rect">
+            <a:avLst/>
+          </a:prstGeom>
+          <a:noFill/>
+        </p:spPr>
+        <p:txBody>
+          <a:bodyPr wrap="none" rtlCol="0">
+            <a:spAutoFit/>
+          </a:bodyPr>
+          <a:lstStyle/>
+          <a:p>
+            <a:r>
+              <a:rPr lang="en-US" dirty="0" smtClean="0"/>
+              <a:t>Fruit</a:t>
+            </a:r>
+            <a:endParaRPr lang="en-US" dirty="0"/>
+          </a:p>
+        </p:txBody>
+      </p:sp>
+      <p:sp>
+        <p:nvSpPr>
+          <p:cNvPr id="4" name="TextBox 3"/>
+          <p:cNvSpPr txBox="1"/>
+          <p:nvPr/>
+        </p:nvSpPr>
+        <p:spPr>
+          <a:xfrm>
+            <a:off x="13335000" y="12496800"/>
+            <a:ext cx="2363898" cy="461665"/>
+          </a:xfrm>
+          <a:prstGeom prst="rect">
+            <a:avLst/>
+          </a:prstGeom>
+          <a:noFill/>
+        </p:spPr>
+        <p:txBody>
+          <a:bodyPr wrap="none" rtlCol="0">
+            <a:spAutoFit/>
+          </a:bodyPr>
+          <a:lstStyle/>
+          <a:p>
+            <a:r>
+              <a:rPr lang="en-US" dirty="0" smtClean="0"/>
+              <a:t>Surface Microbes</a:t>
+            </a:r>
+            <a:endParaRPr lang="en-US" dirty="0"/>
+          </a:p>
+        </p:txBody>
+      </p:sp>
+      <p:sp>
+        <p:nvSpPr>
+          <p:cNvPr id="6" name="TextBox 5"/>
+          <p:cNvSpPr txBox="1"/>
+          <p:nvPr/>
+        </p:nvSpPr>
+        <p:spPr>
+          <a:xfrm>
+            <a:off x="18440400" y="12420600"/>
+            <a:ext cx="2044149" cy="461665"/>
+          </a:xfrm>
+          <a:prstGeom prst="rect">
+            <a:avLst/>
+          </a:prstGeom>
+          <a:noFill/>
+        </p:spPr>
+        <p:txBody>
+          <a:bodyPr wrap="none" rtlCol="0">
+            <a:spAutoFit/>
+          </a:bodyPr>
+          <a:lstStyle/>
+          <a:p>
+            <a:r>
+              <a:rPr lang="en-US" dirty="0" smtClean="0"/>
+              <a:t>Squeezed Fruit</a:t>
+            </a:r>
+            <a:endParaRPr lang="en-US" dirty="0"/>
+          </a:p>
+        </p:txBody>
+      </p:sp>
+      <p:sp>
+        <p:nvSpPr>
+          <p:cNvPr id="7" name="TextBox 6"/>
+          <p:cNvSpPr txBox="1"/>
+          <p:nvPr/>
+        </p:nvSpPr>
+        <p:spPr>
+          <a:xfrm>
+            <a:off x="24003000" y="12344400"/>
+            <a:ext cx="2056422" cy="461665"/>
+          </a:xfrm>
+          <a:prstGeom prst="rect">
+            <a:avLst/>
+          </a:prstGeom>
+          <a:noFill/>
+        </p:spPr>
+        <p:txBody>
+          <a:bodyPr wrap="none" rtlCol="0">
+            <a:spAutoFit/>
+          </a:bodyPr>
+          <a:lstStyle/>
+          <a:p>
+            <a:r>
+              <a:rPr lang="en-US" smtClean="0"/>
+              <a:t>Juice Microbes</a:t>
+            </a:r>
+            <a:endParaRPr lang="en-US" dirty="0"/>
+          </a:p>
+        </p:txBody>
+      </p:sp>
+      <p:sp>
+        <p:nvSpPr>
+          <p:cNvPr id="8" name="TextBox 7"/>
+          <p:cNvSpPr txBox="1"/>
+          <p:nvPr/>
+        </p:nvSpPr>
+        <p:spPr>
+          <a:xfrm>
+            <a:off x="11353800" y="23469600"/>
+            <a:ext cx="4270370" cy="461665"/>
+          </a:xfrm>
+          <a:prstGeom prst="rect">
+            <a:avLst/>
+          </a:prstGeom>
+          <a:noFill/>
+        </p:spPr>
+        <p:txBody>
+          <a:bodyPr wrap="none" rtlCol="0">
+            <a:spAutoFit/>
+          </a:bodyPr>
+          <a:lstStyle/>
+          <a:p>
+            <a:r>
+              <a:rPr lang="en-US" dirty="0" smtClean="0"/>
+              <a:t>Microbes from Dining Hall Juice</a:t>
+            </a:r>
+            <a:endParaRPr lang="en-US" dirty="0"/>
+          </a:p>
+        </p:txBody>
+      </p:sp>
+      <p:sp>
+        <p:nvSpPr>
+          <p:cNvPr id="18" name="TextBox 17"/>
+          <p:cNvSpPr txBox="1"/>
+          <p:nvPr/>
+        </p:nvSpPr>
+        <p:spPr>
+          <a:xfrm>
+            <a:off x="21945600" y="23545800"/>
+            <a:ext cx="4424258" cy="461665"/>
+          </a:xfrm>
+          <a:prstGeom prst="rect">
+            <a:avLst/>
+          </a:prstGeom>
+          <a:noFill/>
+        </p:spPr>
+        <p:txBody>
+          <a:bodyPr wrap="none" rtlCol="0">
+            <a:spAutoFit/>
+          </a:bodyPr>
+          <a:lstStyle/>
+          <a:p>
+            <a:r>
+              <a:rPr lang="en-US" dirty="0" smtClean="0"/>
+              <a:t>Microbes from Minute Maid Juice</a:t>
+            </a:r>
+            <a:endParaRPr lang="en-US" dirty="0"/>
+          </a:p>
+        </p:txBody>
+      </p:sp>
+      <p:pic>
+        <p:nvPicPr>
+          <p:cNvPr id="19" name="Picture 18" descr="Screen Shot 2014-04-04 at 3.19.23 PM.png"/>
+          <p:cNvPicPr>
+            <a:picLocks noChangeAspect="1"/>
+          </p:cNvPicPr>
+          <p:nvPr/>
+        </p:nvPicPr>
+        <p:blipFill>
+          <a:blip r:embed="rId15">
+            <a:extLst>
+              <a:ext uri="{28A0092B-C50C-407E-A947-70E740481C1C}">
+                <a14:useLocalDpi xmlns:a14="http://schemas.microsoft.com/office/drawing/2010/main" val="0"/>
+              </a:ext>
+            </a:extLst>
+          </a:blip>
+          <a:stretch>
+            <a:fillRect/>
+          </a:stretch>
+        </p:blipFill>
+        <p:spPr>
+          <a:xfrm>
+            <a:off x="20574000" y="24231600"/>
+            <a:ext cx="3260697" cy="2819400"/>
+          </a:xfrm>
+          <a:prstGeom prst="rect">
+            <a:avLst/>
+          </a:prstGeom>
+        </p:spPr>
+      </p:pic>
+      <p:pic>
+        <p:nvPicPr>
+          <p:cNvPr id="24" name="Picture 23" descr="Screen Shot 2014-04-04 at 3.19.10 PM.png"/>
+          <p:cNvPicPr>
+            <a:picLocks noChangeAspect="1"/>
+          </p:cNvPicPr>
+          <p:nvPr/>
+        </p:nvPicPr>
+        <p:blipFill>
+          <a:blip r:embed="rId16">
+            <a:extLst>
+              <a:ext uri="{28A0092B-C50C-407E-A947-70E740481C1C}">
+                <a14:useLocalDpi xmlns:a14="http://schemas.microsoft.com/office/drawing/2010/main" val="0"/>
+              </a:ext>
+            </a:extLst>
+          </a:blip>
+          <a:stretch>
+            <a:fillRect/>
+          </a:stretch>
+        </p:blipFill>
+        <p:spPr>
+          <a:xfrm>
+            <a:off x="24383999" y="24231600"/>
+            <a:ext cx="2710663" cy="2819400"/>
+          </a:xfrm>
+          <a:prstGeom prst="rect">
+            <a:avLst/>
+          </a:prstGeom>
+        </p:spPr>
+      </p:pic>
+      <p:pic>
+        <p:nvPicPr>
+          <p:cNvPr id="27" name="Picture 26" descr="Screen Shot 2014-04-04 at 3.18.38 PM.png"/>
+          <p:cNvPicPr>
+            <a:picLocks noChangeAspect="1"/>
+          </p:cNvPicPr>
+          <p:nvPr/>
+        </p:nvPicPr>
+        <p:blipFill>
+          <a:blip r:embed="rId17">
+            <a:extLst>
+              <a:ext uri="{28A0092B-C50C-407E-A947-70E740481C1C}">
+                <a14:useLocalDpi xmlns:a14="http://schemas.microsoft.com/office/drawing/2010/main" val="0"/>
+              </a:ext>
+            </a:extLst>
+          </a:blip>
+          <a:stretch>
+            <a:fillRect/>
+          </a:stretch>
+        </p:blipFill>
+        <p:spPr>
+          <a:xfrm>
+            <a:off x="13792200" y="24354913"/>
+            <a:ext cx="2971800" cy="2623202"/>
+          </a:xfrm>
+          <a:prstGeom prst="rect">
+            <a:avLst/>
+          </a:prstGeom>
+        </p:spPr>
+      </p:pic>
+      <p:pic>
+        <p:nvPicPr>
+          <p:cNvPr id="28" name="Picture 27" descr="Screen Shot 2014-04-04 at 3.18.26 PM.png"/>
+          <p:cNvPicPr>
+            <a:picLocks noChangeAspect="1"/>
+          </p:cNvPicPr>
+          <p:nvPr/>
+        </p:nvPicPr>
+        <p:blipFill>
+          <a:blip r:embed="rId18">
+            <a:extLst>
+              <a:ext uri="{28A0092B-C50C-407E-A947-70E740481C1C}">
+                <a14:useLocalDpi xmlns:a14="http://schemas.microsoft.com/office/drawing/2010/main" val="0"/>
+              </a:ext>
+            </a:extLst>
+          </a:blip>
+          <a:stretch>
+            <a:fillRect/>
+          </a:stretch>
+        </p:blipFill>
+        <p:spPr>
+          <a:xfrm>
+            <a:off x="10287000" y="24307800"/>
+            <a:ext cx="2819400" cy="2654764"/>
+          </a:xfrm>
+          <a:prstGeom prst="rect">
+            <a:avLst/>
+          </a:prstGeom>
+        </p:spPr>
+      </p:pic>
     </p:spTree>
   </p:cSld>
   <p:clrMapOvr>
